--- a/prj/presentation/Craig_Rubberhose.pptx
+++ b/prj/presentation/Craig_Rubberhose.pptx
@@ -6474,7 +6474,7 @@
             <a:pPr algn="r">
               <a:buNone/>
             </a:pPr>
-            <a:fld id="{443A41C4-D9E8-4C4C-B616-30A2B7EACE60}" type="slidenum">
+            <a:fld id="{1630B2F3-765C-4FFA-884B-EDDF84FF197A}" type="slidenum">
               <a:rPr b="0" lang="en-US" sz="1400" spc="-1" strike="noStrike">
                 <a:latin typeface="Arial"/>
               </a:rPr>
@@ -13599,7 +13599,7 @@
             <a:pPr algn="r">
               <a:buNone/>
             </a:pPr>
-            <a:fld id="{60A9147A-0874-4265-ACA7-60BE91804F73}" type="slidenum">
+            <a:fld id="{F71B55E1-ABCA-4DB8-A586-FAC9569784C5}" type="slidenum">
               <a:rPr b="0" lang="en-US" sz="1400" spc="-1" strike="noStrike">
                 <a:latin typeface="Arial"/>
               </a:rPr>
@@ -16578,7 +16578,7 @@
             <a:pPr algn="r">
               <a:buNone/>
             </a:pPr>
-            <a:fld id="{FAB224B0-D6F2-4332-8E70-46D5D148458F}" type="slidenum">
+            <a:fld id="{C7FE7FA5-DBDE-4722-9F46-4977DCCF16F6}" type="slidenum">
               <a:rPr b="0" lang="en-US" sz="1400" spc="-1" strike="noStrike">
                 <a:latin typeface="Arial"/>
               </a:rPr>
@@ -19732,7 +19732,7 @@
             <a:pPr algn="r">
               <a:buNone/>
             </a:pPr>
-            <a:fld id="{460EFAB6-E7D0-44CD-8141-BE8CCBF0766B}" type="slidenum">
+            <a:fld id="{F07EB7B7-955F-46C4-844A-80F1B3DC3C12}" type="slidenum">
               <a:rPr b="0" lang="en-US" sz="1400" spc="-1" strike="noStrike">
                 <a:latin typeface="Arial"/>
               </a:rPr>
@@ -23684,13 +23684,7 @@
               <a:rPr b="0" lang="en-US" sz="2400" spc="-1" strike="noStrike">
                 <a:latin typeface="Arial"/>
               </a:rPr>
-              <a:t>Cryptographically random data is written to a section of the </a:t>
-            </a:r>
-            <a:r>
-              <a:rPr b="0" lang="en-US" sz="2400" spc="-1" strike="noStrike">
-                <a:latin typeface="Arial"/>
-              </a:rPr>
-              <a:t>disk, called an “extent”</a:t>
+              <a:t>Cryptographically random data is written to a section of the disk, called an “extent”</a:t>
             </a:r>
             <a:endParaRPr b="0" lang="en-US" sz="2400" spc="-1" strike="noStrike">
               <a:latin typeface="Arial"/>
@@ -23712,13 +23706,7 @@
               <a:rPr b="0" lang="en-US" sz="2400" spc="-1" strike="noStrike">
                 <a:latin typeface="Arial"/>
               </a:rPr>
-              <a:t>Plaintext is first encrypted, and then broken apart and </a:t>
-            </a:r>
-            <a:r>
-              <a:rPr b="0" lang="en-US" sz="2400" spc="-1" strike="noStrike">
-                <a:latin typeface="Arial"/>
-              </a:rPr>
-              <a:t>distributed across the extent, creating an “aspect”</a:t>
+              <a:t>Plaintext is first encrypted, and then broken apart and distributed across the extent, creating an “aspect”</a:t>
             </a:r>
             <a:endParaRPr b="0" lang="en-US" sz="2400" spc="-1" strike="noStrike">
               <a:latin typeface="Arial"/>
@@ -23762,13 +23750,7 @@
               <a:rPr b="0" lang="en-US" sz="2400" spc="-1" strike="noStrike">
                 <a:latin typeface="Arial"/>
               </a:rPr>
-              <a:t>It is not externally possible to distinguish an encrypted </a:t>
-            </a:r>
-            <a:r>
-              <a:rPr b="0" lang="en-US" sz="2400" spc="-1" strike="noStrike">
-                <a:latin typeface="Arial"/>
-              </a:rPr>
-              <a:t>fragment of an aspect from random noise</a:t>
+              <a:t>It is not externally possible to distinguish an encrypted fragment of an aspect from random noise</a:t>
             </a:r>
             <a:endParaRPr b="0" lang="en-US" sz="2400" spc="-1" strike="noStrike">
               <a:latin typeface="Arial"/>
@@ -23790,13 +23772,7 @@
               <a:rPr b="0" lang="en-US" sz="2400" spc="-1" strike="noStrike">
                 <a:latin typeface="Arial"/>
               </a:rPr>
-              <a:t>All aspects must be unlocked for the extent to safely be written </a:t>
-            </a:r>
-            <a:r>
-              <a:rPr b="0" lang="en-US" sz="2400" spc="-1" strike="noStrike">
-                <a:latin typeface="Arial"/>
-              </a:rPr>
-              <a:t>to</a:t>
+              <a:t>All aspects must be unlocked for the extent to safely be written to</a:t>
             </a:r>
             <a:endParaRPr b="0" lang="en-US" sz="2400" spc="-1" strike="noStrike">
               <a:latin typeface="Arial"/>
